--- a/PowerShell and Puppet Enterprise API.pptx
+++ b/PowerShell and Puppet Enterprise API.pptx
@@ -10,15 +10,15 @@
   <p:sldIdLst>
     <p:sldId id="256" r:id="rId2"/>
     <p:sldId id="257" r:id="rId3"/>
-    <p:sldId id="277" r:id="rId4"/>
-    <p:sldId id="288" r:id="rId5"/>
-    <p:sldId id="291" r:id="rId6"/>
-    <p:sldId id="292" r:id="rId7"/>
-    <p:sldId id="293" r:id="rId8"/>
-    <p:sldId id="294" r:id="rId9"/>
-    <p:sldId id="295" r:id="rId10"/>
-    <p:sldId id="258" r:id="rId11"/>
-    <p:sldId id="290" r:id="rId12"/>
+    <p:sldId id="301" r:id="rId4"/>
+    <p:sldId id="277" r:id="rId5"/>
+    <p:sldId id="288" r:id="rId6"/>
+    <p:sldId id="291" r:id="rId7"/>
+    <p:sldId id="292" r:id="rId8"/>
+    <p:sldId id="293" r:id="rId9"/>
+    <p:sldId id="294" r:id="rId10"/>
+    <p:sldId id="295" r:id="rId11"/>
+    <p:sldId id="258" r:id="rId12"/>
     <p:sldId id="259" r:id="rId13"/>
     <p:sldId id="260" r:id="rId14"/>
     <p:sldId id="285" r:id="rId15"/>
@@ -503,6 +503,90 @@
 </p:notesMaster>
 </file>
 
+<file path=ppt/notesSlides/notesSlide1.xml><?xml version="1.0" encoding="utf-8"?>
+<p:notes xmlns:a="http://schemas.openxmlformats.org/drawingml/2006/main" xmlns:r="http://schemas.openxmlformats.org/officeDocument/2006/relationships" xmlns:p="http://schemas.openxmlformats.org/presentationml/2006/main">
+  <p:cSld>
+    <p:spTree>
+      <p:nvGrpSpPr>
+        <p:cNvPr id="1" name=""/>
+        <p:cNvGrpSpPr/>
+        <p:nvPr/>
+      </p:nvGrpSpPr>
+      <p:grpSpPr>
+        <a:xfrm>
+          <a:off x="0" y="0"/>
+          <a:ext cx="0" cy="0"/>
+          <a:chOff x="0" y="0"/>
+          <a:chExt cx="0" cy="0"/>
+        </a:xfrm>
+      </p:grpSpPr>
+      <p:sp>
+        <p:nvSpPr>
+          <p:cNvPr id="2" name="Slide Image Placeholder 1"/>
+          <p:cNvSpPr>
+            <a:spLocks noGrp="1" noRot="1" noChangeAspect="1"/>
+          </p:cNvSpPr>
+          <p:nvPr>
+            <p:ph type="sldImg"/>
+          </p:nvPr>
+        </p:nvSpPr>
+        <p:spPr/>
+      </p:sp>
+      <p:sp>
+        <p:nvSpPr>
+          <p:cNvPr id="3" name="Notes Placeholder 2"/>
+          <p:cNvSpPr>
+            <a:spLocks noGrp="1"/>
+          </p:cNvSpPr>
+          <p:nvPr>
+            <p:ph type="body" idx="1"/>
+          </p:nvPr>
+        </p:nvSpPr>
+        <p:spPr/>
+        <p:txBody>
+          <a:bodyPr/>
+          <a:lstStyle/>
+          <a:p>
+            <a:endParaRPr lang="en-US" dirty="0"/>
+          </a:p>
+        </p:txBody>
+      </p:sp>
+      <p:sp>
+        <p:nvSpPr>
+          <p:cNvPr id="4" name="Slide Number Placeholder 3"/>
+          <p:cNvSpPr>
+            <a:spLocks noGrp="1"/>
+          </p:cNvSpPr>
+          <p:nvPr>
+            <p:ph type="sldNum" sz="quarter" idx="10"/>
+          </p:nvPr>
+        </p:nvSpPr>
+        <p:spPr/>
+        <p:txBody>
+          <a:bodyPr/>
+          <a:lstStyle/>
+          <a:p>
+            <a:fld id="{D285436C-A519-2E45-86C4-BDBFE8B8C2BF}" type="slidenum">
+              <a:rPr lang="en-US" smtClean="0"/>
+              <a:t>4</a:t>
+            </a:fld>
+            <a:endParaRPr lang="en-US"/>
+          </a:p>
+        </p:txBody>
+      </p:sp>
+    </p:spTree>
+    <p:extLst>
+      <p:ext uri="{BB962C8B-B14F-4D97-AF65-F5344CB8AC3E}">
+        <p14:creationId xmlns:p14="http://schemas.microsoft.com/office/powerpoint/2010/main" val="923900082"/>
+      </p:ext>
+    </p:extLst>
+  </p:cSld>
+  <p:clrMapOvr>
+    <a:masterClrMapping/>
+  </p:clrMapOvr>
+</p:notes>
+</file>
+
 <file path=ppt/slideLayouts/slideLayout1.xml><?xml version="1.0" encoding="utf-8"?>
 <p:sldLayout xmlns:a="http://schemas.openxmlformats.org/drawingml/2006/main" xmlns:r="http://schemas.openxmlformats.org/officeDocument/2006/relationships" xmlns:p="http://schemas.openxmlformats.org/presentationml/2006/main" preserve="1">
   <p:cSld name="General Title">
@@ -1127,7 +1211,7 @@
           <a:noFill/>
           <a:extLst>
             <a:ext uri="{909E8E84-426E-40dd-AFC4-6F175D3DCCD1}">
-              <a14:hiddenFill xmlns="" xmlns:a14="http://schemas.microsoft.com/office/drawing/2010/main">
+              <a14:hiddenFill xmlns:a14="http://schemas.microsoft.com/office/drawing/2010/main" xmlns="">
                 <a:solidFill>
                   <a:srgbClr val="FFFFFF"/>
                 </a:solidFill>
@@ -1482,7 +1566,7 @@
           <a:noFill/>
           <a:extLst>
             <a:ext uri="{909E8E84-426E-40dd-AFC4-6F175D3DCCD1}">
-              <a14:hiddenFill xmlns="" xmlns:a14="http://schemas.microsoft.com/office/drawing/2010/main">
+              <a14:hiddenFill xmlns:a14="http://schemas.microsoft.com/office/drawing/2010/main" xmlns="">
                 <a:solidFill>
                   <a:srgbClr val="FFFFFF"/>
                 </a:solidFill>
@@ -1936,7 +2020,7 @@
           <a:noFill/>
           <a:extLst>
             <a:ext uri="{909E8E84-426E-40dd-AFC4-6F175D3DCCD1}">
-              <a14:hiddenFill xmlns="" xmlns:a14="http://schemas.microsoft.com/office/drawing/2010/main">
+              <a14:hiddenFill xmlns:a14="http://schemas.microsoft.com/office/drawing/2010/main" xmlns="">
                 <a:solidFill>
                   <a:srgbClr val="FFFFFF"/>
                 </a:solidFill>
@@ -6291,51 +6375,61 @@
           <a:chExt cx="0" cy="0"/>
         </a:xfrm>
       </p:grpSpPr>
-      <p:sp>
-        <p:nvSpPr>
-          <p:cNvPr id="3" name="Content Placeholder 2"/>
-          <p:cNvSpPr>
-            <a:spLocks noGrp="1"/>
-          </p:cNvSpPr>
+      <p:pic>
+        <p:nvPicPr>
+          <p:cNvPr id="4" name="Content Placeholder 3"/>
+          <p:cNvPicPr>
+            <a:picLocks noGrp="1" noChangeAspect="1"/>
+          </p:cNvPicPr>
           <p:nvPr>
             <p:ph idx="1"/>
           </p:nvPr>
+        </p:nvPicPr>
+        <p:blipFill>
+          <a:blip r:embed="rId2">
+            <a:extLst>
+              <a:ext uri="{28A0092B-C50C-407E-A947-70E740481C1C}">
+                <a14:useLocalDpi xmlns:a14="http://schemas.microsoft.com/office/drawing/2010/main" val="0"/>
+              </a:ext>
+            </a:extLst>
+          </a:blip>
+          <a:stretch>
+            <a:fillRect/>
+          </a:stretch>
+        </p:blipFill>
+        <p:spPr>
+          <a:xfrm>
+            <a:off x="6705599" y="1916545"/>
+            <a:ext cx="4204855" cy="3826418"/>
+          </a:xfrm>
+        </p:spPr>
+      </p:pic>
+      <p:sp>
+        <p:nvSpPr>
+          <p:cNvPr id="3" name="Title 2"/>
+          <p:cNvSpPr>
+            <a:spLocks noGrp="1"/>
+          </p:cNvSpPr>
+          <p:nvPr>
+            <p:ph type="title"/>
+          </p:nvPr>
         </p:nvSpPr>
         <p:spPr/>
         <p:txBody>
           <a:bodyPr/>
           <a:lstStyle/>
           <a:p>
-            <a:endParaRPr lang="en-US" dirty="0" smtClean="0"/>
-          </a:p>
-        </p:txBody>
-      </p:sp>
-      <p:sp>
-        <p:nvSpPr>
-          <p:cNvPr id="2" name="Title 1"/>
-          <p:cNvSpPr>
-            <a:spLocks noGrp="1"/>
-          </p:cNvSpPr>
-          <p:nvPr>
-            <p:ph type="title"/>
-          </p:nvPr>
-        </p:nvSpPr>
-        <p:spPr/>
-        <p:txBody>
-          <a:bodyPr/>
-          <a:lstStyle/>
-          <a:p>
             <a:r>
               <a:rPr lang="en-US" dirty="0" smtClean="0"/>
-              <a:t>Why</a:t>
+              <a:t>Node</a:t>
             </a:r>
             <a:r>
               <a:rPr lang="en-US" baseline="0" dirty="0" smtClean="0"/>
-              <a:t> use </a:t>
+              <a:t> </a:t>
             </a:r>
             <a:r>
               <a:rPr lang="en-US" baseline="0" dirty="0" err="1" smtClean="0"/>
-              <a:t>powershell</a:t>
+              <a:t>Classifer</a:t>
             </a:r>
             <a:endParaRPr lang="en-US" dirty="0"/>
           </a:p>
@@ -6344,7 +6438,7 @@
     </p:spTree>
     <p:extLst>
       <p:ext uri="{BB962C8B-B14F-4D97-AF65-F5344CB8AC3E}">
-        <p14:creationId xmlns:p14="http://schemas.microsoft.com/office/powerpoint/2010/main" val="4184417372"/>
+        <p14:creationId xmlns:p14="http://schemas.microsoft.com/office/powerpoint/2010/main" val="2018590346"/>
       </p:ext>
     </p:extLst>
   </p:cSld>
@@ -6385,7 +6479,7 @@
             <a:picLocks noGrp="1" noChangeAspect="1"/>
           </p:cNvPicPr>
           <p:nvPr>
-            <p:ph idx="4294967295"/>
+            <p:ph idx="1"/>
           </p:nvPr>
         </p:nvPicPr>
         <p:blipFill>
@@ -6402,15 +6496,46 @@
         </p:blipFill>
         <p:spPr>
           <a:xfrm>
-            <a:off x="2509044" y="545017"/>
-            <a:ext cx="7173913" cy="5380038"/>
+            <a:off x="4178703" y="1604963"/>
+            <a:ext cx="3890012" cy="4422775"/>
           </a:xfrm>
         </p:spPr>
       </p:pic>
+      <p:sp>
+        <p:nvSpPr>
+          <p:cNvPr id="2" name="Title 1"/>
+          <p:cNvSpPr>
+            <a:spLocks noGrp="1"/>
+          </p:cNvSpPr>
+          <p:nvPr>
+            <p:ph type="title"/>
+          </p:nvPr>
+        </p:nvSpPr>
+        <p:spPr/>
+        <p:txBody>
+          <a:bodyPr/>
+          <a:lstStyle/>
+          <a:p>
+            <a:r>
+              <a:rPr lang="en-US" dirty="0" smtClean="0"/>
+              <a:t>Why</a:t>
+            </a:r>
+            <a:r>
+              <a:rPr lang="en-US" baseline="0" dirty="0" smtClean="0"/>
+              <a:t> use </a:t>
+            </a:r>
+            <a:r>
+              <a:rPr lang="en-US" baseline="0" dirty="0" err="1" smtClean="0"/>
+              <a:t>powershell</a:t>
+            </a:r>
+            <a:endParaRPr lang="en-US" dirty="0"/>
+          </a:p>
+        </p:txBody>
+      </p:sp>
     </p:spTree>
     <p:extLst>
       <p:ext uri="{BB962C8B-B14F-4D97-AF65-F5344CB8AC3E}">
-        <p14:creationId xmlns:p14="http://schemas.microsoft.com/office/powerpoint/2010/main" val="840805765"/>
+        <p14:creationId xmlns:p14="http://schemas.microsoft.com/office/powerpoint/2010/main" val="4184417372"/>
       </p:ext>
     </p:extLst>
   </p:cSld>
@@ -8060,8 +8185,31 @@
             </a:r>
             <a:r>
               <a:rPr lang="en-US" baseline="0" dirty="0" smtClean="0"/>
-              <a:t> are different in PowerShell .. Duh!</a:t>
-            </a:r>
+              <a:t> are different in PowerShell .. Duh</a:t>
+            </a:r>
+            <a:r>
+              <a:rPr lang="en-US" baseline="0" dirty="0" smtClean="0"/>
+              <a:t>!</a:t>
+            </a:r>
+          </a:p>
+          <a:p>
+            <a:r>
+              <a:rPr lang="en-US" baseline="0" dirty="0" smtClean="0"/>
+              <a:t>Check out </a:t>
+            </a:r>
+            <a:r>
+              <a:rPr lang="en-US" baseline="0" dirty="0" smtClean="0">
+                <a:hlinkClick r:id="rId2"/>
+              </a:rPr>
+              <a:t>http://wahlnetwork.com/2016/02/18/using-powershell-arrays-and-hashtables-with-json-formatting/</a:t>
+            </a:r>
+            <a:r>
+              <a:rPr lang="en-US" baseline="0" dirty="0" smtClean="0"/>
+              <a:t>’</a:t>
+            </a:r>
+          </a:p>
+          <a:p>
+            <a:endParaRPr lang="en-US" baseline="0" dirty="0" smtClean="0"/>
           </a:p>
           <a:p>
             <a:endParaRPr lang="en-US" dirty="0"/>
@@ -8415,7 +8563,7 @@
       </p:grpSpPr>
       <p:sp>
         <p:nvSpPr>
-          <p:cNvPr id="3" name="Content Placeholder 2"/>
+          <p:cNvPr id="2" name="Content Placeholder 1"/>
           <p:cNvSpPr>
             <a:spLocks noGrp="1"/>
           </p:cNvSpPr>
@@ -8428,55 +8576,191 @@
           <a:bodyPr/>
           <a:lstStyle/>
           <a:p>
+            <a:pPr rtl="0" eaLnBrk="1" latinLnBrk="0" hangingPunct="1"/>
+            <a:r>
+              <a:rPr lang="en-US" sz="2400" kern="1200" dirty="0" smtClean="0">
+                <a:solidFill>
+                  <a:schemeClr val="tx1"/>
+                </a:solidFill>
+                <a:effectLst/>
+                <a:latin typeface="+mn-lt"/>
+                <a:ea typeface="+mn-ea"/>
+                <a:cs typeface="+mn-cs"/>
+              </a:rPr>
+              <a:t>Jeremy Adams + </a:t>
+            </a:r>
+            <a:r>
+              <a:rPr lang="en-US" sz="2400" kern="1200" dirty="0" err="1" smtClean="0">
+                <a:solidFill>
+                  <a:schemeClr val="tx1"/>
+                </a:solidFill>
+                <a:effectLst/>
+                <a:latin typeface="+mn-lt"/>
+                <a:ea typeface="+mn-ea"/>
+                <a:cs typeface="+mn-cs"/>
+              </a:rPr>
+              <a:t>Lizzi</a:t>
+            </a:r>
+            <a:r>
+              <a:rPr lang="en-US" sz="2400" kern="1200" dirty="0" smtClean="0">
+                <a:solidFill>
+                  <a:schemeClr val="tx1"/>
+                </a:solidFill>
+                <a:effectLst/>
+                <a:latin typeface="+mn-lt"/>
+                <a:ea typeface="+mn-ea"/>
+                <a:cs typeface="+mn-cs"/>
+              </a:rPr>
+              <a:t> </a:t>
+            </a:r>
+            <a:r>
+              <a:rPr lang="en-US" sz="2400" kern="1200" dirty="0" err="1" smtClean="0">
+                <a:solidFill>
+                  <a:schemeClr val="tx1"/>
+                </a:solidFill>
+                <a:effectLst/>
+                <a:latin typeface="+mn-lt"/>
+                <a:ea typeface="+mn-ea"/>
+                <a:cs typeface="+mn-cs"/>
+              </a:rPr>
+              <a:t>Lindboe</a:t>
+            </a:r>
+            <a:endParaRPr lang="en-US" sz="2400" dirty="0" smtClean="0">
+              <a:effectLst/>
+            </a:endParaRPr>
+          </a:p>
+          <a:p>
+            <a:pPr lvl="1" rtl="0" eaLnBrk="1" latinLnBrk="0" hangingPunct="1"/>
+            <a:r>
+              <a:rPr lang="en-US" sz="2000" kern="1200" dirty="0" smtClean="0">
+                <a:solidFill>
+                  <a:schemeClr val="tx1"/>
+                </a:solidFill>
+                <a:effectLst/>
+                <a:latin typeface="+mn-lt"/>
+                <a:ea typeface="+mn-ea"/>
+                <a:cs typeface="+mn-cs"/>
+              </a:rPr>
+              <a:t>Puppet </a:t>
+            </a:r>
+            <a:r>
+              <a:rPr lang="en-US" sz="2000" kern="1200" dirty="0" err="1" smtClean="0">
+                <a:solidFill>
+                  <a:schemeClr val="tx1"/>
+                </a:solidFill>
+                <a:effectLst/>
+                <a:latin typeface="+mn-lt"/>
+                <a:ea typeface="+mn-ea"/>
+                <a:cs typeface="+mn-cs"/>
+              </a:rPr>
+              <a:t>api</a:t>
+            </a:r>
+            <a:r>
+              <a:rPr lang="en-US" sz="2000" kern="1200" dirty="0" smtClean="0">
+                <a:solidFill>
+                  <a:schemeClr val="tx1"/>
+                </a:solidFill>
+                <a:effectLst/>
+                <a:latin typeface="+mn-lt"/>
+                <a:ea typeface="+mn-ea"/>
+                <a:cs typeface="+mn-cs"/>
+              </a:rPr>
+              <a:t> round up from </a:t>
+            </a:r>
+            <a:r>
+              <a:rPr lang="en-US" sz="2000" kern="1200" dirty="0" err="1" smtClean="0">
+                <a:solidFill>
+                  <a:schemeClr val="tx1"/>
+                </a:solidFill>
+                <a:effectLst/>
+                <a:latin typeface="+mn-lt"/>
+                <a:ea typeface="+mn-ea"/>
+                <a:cs typeface="+mn-cs"/>
+              </a:rPr>
+              <a:t>puppetconf</a:t>
+            </a:r>
+            <a:r>
+              <a:rPr lang="en-US" sz="2000" kern="1200" dirty="0" smtClean="0">
+                <a:solidFill>
+                  <a:schemeClr val="tx1"/>
+                </a:solidFill>
+                <a:effectLst/>
+                <a:latin typeface="+mn-lt"/>
+                <a:ea typeface="+mn-ea"/>
+                <a:cs typeface="+mn-cs"/>
+              </a:rPr>
+              <a:t> 2015</a:t>
+            </a:r>
+            <a:br>
+              <a:rPr lang="en-US" sz="2000" kern="1200" dirty="0" smtClean="0">
+                <a:solidFill>
+                  <a:schemeClr val="tx1"/>
+                </a:solidFill>
+                <a:effectLst/>
+                <a:latin typeface="+mn-lt"/>
+                <a:ea typeface="+mn-ea"/>
+                <a:cs typeface="+mn-cs"/>
+              </a:rPr>
+            </a:br>
+            <a:endParaRPr lang="en-US" sz="2000" kern="1200" dirty="0" smtClean="0">
+              <a:solidFill>
+                <a:schemeClr val="tx1"/>
+              </a:solidFill>
+              <a:effectLst/>
+              <a:latin typeface="+mn-lt"/>
+              <a:ea typeface="+mn-ea"/>
+              <a:cs typeface="+mn-cs"/>
+            </a:endParaRPr>
+          </a:p>
+          <a:p>
+            <a:pPr lvl="1" rtl="0" eaLnBrk="1" latinLnBrk="0" hangingPunct="1"/>
+            <a:endParaRPr lang="en-US" sz="2000" kern="1200" dirty="0" smtClean="0">
+              <a:solidFill>
+                <a:schemeClr val="tx1"/>
+              </a:solidFill>
+              <a:effectLst/>
+              <a:latin typeface="+mn-lt"/>
+              <a:ea typeface="+mn-ea"/>
+              <a:cs typeface="+mn-cs"/>
+            </a:endParaRPr>
+          </a:p>
+          <a:p>
+            <a:pPr lvl="0" rtl="0" eaLnBrk="1" latinLnBrk="0" hangingPunct="1"/>
+            <a:r>
+              <a:rPr lang="en-US" dirty="0" smtClean="0">
+                <a:effectLst/>
+              </a:rPr>
+              <a:t>Matt </a:t>
+            </a:r>
+            <a:r>
+              <a:rPr lang="en-US" dirty="0" err="1" smtClean="0">
+                <a:effectLst/>
+              </a:rPr>
+              <a:t>Cadorette</a:t>
+            </a:r>
+            <a:endParaRPr lang="en-US" dirty="0" smtClean="0">
+              <a:effectLst/>
+            </a:endParaRPr>
+          </a:p>
+          <a:p>
+            <a:pPr lvl="1"/>
             <a:r>
               <a:rPr lang="en-US" dirty="0" smtClean="0"/>
-              <a:t>Its consistent! </a:t>
-            </a:r>
-            <a:r>
-              <a:rPr lang="mr-IN" dirty="0" smtClean="0"/>
-              <a:t>…</a:t>
-            </a:r>
-            <a:r>
-              <a:rPr lang="en-US" dirty="0" smtClean="0"/>
-              <a:t>humans </a:t>
-            </a:r>
-            <a:r>
-              <a:rPr lang="mr-IN" dirty="0" smtClean="0"/>
-              <a:t>…</a:t>
-            </a:r>
-            <a:r>
-              <a:rPr lang="en-US" dirty="0" smtClean="0"/>
-              <a:t> not so much</a:t>
-            </a:r>
-          </a:p>
-          <a:p>
-            <a:r>
-              <a:rPr lang="en-US" dirty="0" smtClean="0"/>
-              <a:t>Save the clicks!</a:t>
-            </a:r>
-          </a:p>
-          <a:p>
-            <a:r>
-              <a:rPr lang="en-US" dirty="0" smtClean="0"/>
-              <a:t>Ok I admit it</a:t>
-            </a:r>
-            <a:r>
-              <a:rPr lang="mr-IN" dirty="0" smtClean="0"/>
-              <a:t>…</a:t>
-            </a:r>
-            <a:r>
-              <a:rPr lang="en-US" dirty="0" smtClean="0"/>
-              <a:t> I am totally Lazy</a:t>
-            </a:r>
-          </a:p>
-          <a:p>
-            <a:endParaRPr lang="en-US" dirty="0" smtClean="0"/>
-          </a:p>
-        </p:txBody>
-      </p:sp>
-      <p:sp>
-        <p:nvSpPr>
-          <p:cNvPr id="2" name="Title 1"/>
+              <a:t>The best technical solutions engineer ! ( but I may be bias)</a:t>
+            </a:r>
+            <a:endParaRPr lang="en-US" dirty="0" smtClean="0">
+              <a:effectLst/>
+            </a:endParaRPr>
+          </a:p>
+          <a:p>
+            <a:pPr lvl="0"/>
+            <a:endParaRPr lang="en-US" dirty="0"/>
+          </a:p>
+        </p:txBody>
+      </p:sp>
+      <p:sp>
+        <p:nvSpPr>
+          <p:cNvPr id="3" name="Title 2"/>
           <p:cNvSpPr>
             <a:spLocks noGrp="1"/>
           </p:cNvSpPr>
@@ -8486,20 +8770,23 @@
         </p:nvSpPr>
         <p:spPr/>
         <p:txBody>
-          <a:bodyPr/>
-          <a:lstStyle/>
-          <a:p>
-            <a:r>
-              <a:rPr lang="en-US" dirty="0" smtClean="0"/>
-              <a:t>Why</a:t>
-            </a:r>
-            <a:r>
-              <a:rPr lang="en-US" baseline="0" dirty="0" smtClean="0"/>
-              <a:t> use PE </a:t>
-            </a:r>
-            <a:r>
-              <a:rPr lang="en-US" baseline="0" dirty="0" err="1" smtClean="0"/>
-              <a:t>api</a:t>
+          <a:bodyPr>
+            <a:normAutofit/>
+          </a:bodyPr>
+          <a:lstStyle/>
+          <a:p>
+            <a:pPr rtl="0" eaLnBrk="1" latinLnBrk="0" hangingPunct="1"/>
+            <a:r>
+              <a:rPr lang="en-US" sz="2800" b="0" kern="1200" dirty="0" smtClean="0">
+                <a:solidFill>
+                  <a:schemeClr val="tx2"/>
+                </a:solidFill>
+                <a:effectLst/>
+                <a:latin typeface="+mj-lt"/>
+                <a:ea typeface="+mj-ea"/>
+                <a:cs typeface="+mj-cs"/>
+              </a:rPr>
+              <a:t>Thanks!</a:t>
             </a:r>
             <a:endParaRPr lang="en-US" dirty="0"/>
           </a:p>
@@ -8508,20 +8795,13 @@
     </p:spTree>
     <p:extLst>
       <p:ext uri="{BB962C8B-B14F-4D97-AF65-F5344CB8AC3E}">
-        <p14:creationId xmlns:p14="http://schemas.microsoft.com/office/powerpoint/2010/main" val="3104293000"/>
+        <p14:creationId xmlns:p14="http://schemas.microsoft.com/office/powerpoint/2010/main" val="1860238577"/>
       </p:ext>
     </p:extLst>
   </p:cSld>
   <p:clrMapOvr>
     <a:masterClrMapping/>
   </p:clrMapOvr>
-  <p:timing>
-    <p:tnLst>
-      <p:par>
-        <p:cTn id="1" dur="indefinite" restart="never" nodeType="tmRoot"/>
-      </p:par>
-    </p:tnLst>
-  </p:timing>
 </p:sld>
 </file>
 
@@ -8571,21 +8851,21 @@
                 <a:gridCol w="3657600">
                   <a:extLst>
                     <a:ext uri="{9D8B030D-6E8A-4147-A177-3AD203B41FA5}">
-                      <a16:colId xmlns:a16="http://schemas.microsoft.com/office/drawing/2014/main" xmlns="" val="3506469224"/>
+                      <a16:colId xmlns="" xmlns:a16="http://schemas.microsoft.com/office/drawing/2014/main" val="3506469224"/>
                     </a:ext>
                   </a:extLst>
                 </a:gridCol>
                 <a:gridCol w="3657600">
                   <a:extLst>
                     <a:ext uri="{9D8B030D-6E8A-4147-A177-3AD203B41FA5}">
-                      <a16:colId xmlns:a16="http://schemas.microsoft.com/office/drawing/2014/main" xmlns="" val="4031051887"/>
+                      <a16:colId xmlns="" xmlns:a16="http://schemas.microsoft.com/office/drawing/2014/main" val="4031051887"/>
                     </a:ext>
                   </a:extLst>
                 </a:gridCol>
                 <a:gridCol w="3657600">
                   <a:extLst>
                     <a:ext uri="{9D8B030D-6E8A-4147-A177-3AD203B41FA5}">
-                      <a16:colId xmlns:a16="http://schemas.microsoft.com/office/drawing/2014/main" xmlns="" val="3014564488"/>
+                      <a16:colId xmlns="" xmlns:a16="http://schemas.microsoft.com/office/drawing/2014/main" val="3014564488"/>
                     </a:ext>
                   </a:extLst>
                 </a:gridCol>
@@ -8631,7 +8911,7 @@
                 </a:tc>
                 <a:extLst>
                   <a:ext uri="{0D108BD9-81ED-4DB2-BD59-A6C34878D82A}">
-                    <a16:rowId xmlns:a16="http://schemas.microsoft.com/office/drawing/2014/main" xmlns="" val="819480951"/>
+                    <a16:rowId xmlns="" xmlns:a16="http://schemas.microsoft.com/office/drawing/2014/main" val="819480951"/>
                   </a:ext>
                 </a:extLst>
               </a:tr>
@@ -8680,7 +8960,7 @@
                 </a:tc>
                 <a:extLst>
                   <a:ext uri="{0D108BD9-81ED-4DB2-BD59-A6C34878D82A}">
-                    <a16:rowId xmlns:a16="http://schemas.microsoft.com/office/drawing/2014/main" xmlns="" val="2598556968"/>
+                    <a16:rowId xmlns="" xmlns:a16="http://schemas.microsoft.com/office/drawing/2014/main" val="2598556968"/>
                   </a:ext>
                 </a:extLst>
               </a:tr>
@@ -8729,7 +9009,7 @@
                 </a:tc>
                 <a:extLst>
                   <a:ext uri="{0D108BD9-81ED-4DB2-BD59-A6C34878D82A}">
-                    <a16:rowId xmlns:a16="http://schemas.microsoft.com/office/drawing/2014/main" xmlns="" val="3100935771"/>
+                    <a16:rowId xmlns="" xmlns:a16="http://schemas.microsoft.com/office/drawing/2014/main" val="3100935771"/>
                   </a:ext>
                 </a:extLst>
               </a:tr>
@@ -8766,7 +9046,7 @@
                 </a:tc>
                 <a:extLst>
                   <a:ext uri="{0D108BD9-81ED-4DB2-BD59-A6C34878D82A}">
-                    <a16:rowId xmlns:a16="http://schemas.microsoft.com/office/drawing/2014/main" xmlns="" val="3664117387"/>
+                    <a16:rowId xmlns="" xmlns:a16="http://schemas.microsoft.com/office/drawing/2014/main" val="3664117387"/>
                   </a:ext>
                 </a:extLst>
               </a:tr>
@@ -9260,11 +9540,7 @@
           <a:p>
             <a:r>
               <a:rPr lang="en-US" dirty="0" smtClean="0"/>
-              <a:t>Force a </a:t>
-            </a:r>
-            <a:r>
-              <a:rPr lang="en-US" dirty="0" smtClean="0"/>
-              <a:t>job</a:t>
+              <a:t>Force a job</a:t>
             </a:r>
             <a:r>
               <a:rPr lang="en-US" baseline="0" dirty="0" smtClean="0"/>
@@ -9570,7 +9846,37 @@
           <a:bodyPr/>
           <a:lstStyle/>
           <a:p>
-            <a:endParaRPr lang="en-US"/>
+            <a:r>
+              <a:rPr lang="en-US" dirty="0" smtClean="0"/>
+              <a:t/>
+            </a:r>
+            <a:br>
+              <a:rPr lang="en-US" dirty="0" smtClean="0"/>
+            </a:br>
+            <a:r>
+              <a:rPr lang="en-US" dirty="0" smtClean="0"/>
+              <a:t>samples at</a:t>
+            </a:r>
+            <a:br>
+              <a:rPr lang="en-US" dirty="0" smtClean="0"/>
+            </a:br>
+            <a:r>
+              <a:rPr lang="en-US" dirty="0" smtClean="0"/>
+              <a:t>https</a:t>
+            </a:r>
+            <a:r>
+              <a:rPr lang="en-US" dirty="0"/>
+              <a:t>://</a:t>
+            </a:r>
+            <a:r>
+              <a:rPr lang="en-US" dirty="0" err="1"/>
+              <a:t>github.com</a:t>
+            </a:r>
+            <a:r>
+              <a:rPr lang="en-US" dirty="0"/>
+              <a:t>/jgjohn02/puppetconf-2017</a:t>
+            </a:r>
+            <a:endParaRPr lang="en-US" dirty="0"/>
           </a:p>
         </p:txBody>
       </p:sp>
@@ -9606,7 +9912,7 @@
       </p:grpSpPr>
       <p:sp>
         <p:nvSpPr>
-          <p:cNvPr id="2" name="Content Placeholder 1"/>
+          <p:cNvPr id="3" name="Content Placeholder 2"/>
           <p:cNvSpPr>
             <a:spLocks noGrp="1"/>
           </p:cNvSpPr>
@@ -9621,39 +9927,53 @@
           <a:p>
             <a:r>
               <a:rPr lang="en-US" dirty="0" smtClean="0"/>
-              <a:t>Status</a:t>
-            </a:r>
-          </a:p>
-          <a:p>
+              <a:t>Its consistent! </a:t>
+            </a:r>
+            <a:r>
+              <a:rPr lang="mr-IN" dirty="0" smtClean="0"/>
+              <a:t>…</a:t>
+            </a:r>
             <a:r>
               <a:rPr lang="en-US" dirty="0" smtClean="0"/>
-              <a:t>RBAC</a:t>
-            </a:r>
-            <a:endParaRPr lang="en-US" dirty="0"/>
-          </a:p>
-          <a:p>
+              <a:t>humans </a:t>
+            </a:r>
+            <a:r>
+              <a:rPr lang="mr-IN" dirty="0" smtClean="0"/>
+              <a:t>…</a:t>
+            </a:r>
             <a:r>
               <a:rPr lang="en-US" dirty="0" smtClean="0"/>
-              <a:t>Orchestration</a:t>
+              <a:t> not so much</a:t>
             </a:r>
           </a:p>
           <a:p>
             <a:r>
               <a:rPr lang="en-US" dirty="0" smtClean="0"/>
-              <a:t>Puppet DB</a:t>
+              <a:t>Save the clicks!</a:t>
             </a:r>
           </a:p>
           <a:p>
             <a:r>
               <a:rPr lang="en-US" dirty="0" smtClean="0"/>
-              <a:t>Node Classifier</a:t>
-            </a:r>
-          </a:p>
-        </p:txBody>
-      </p:sp>
-      <p:sp>
-        <p:nvSpPr>
-          <p:cNvPr id="3" name="Title 2"/>
+              <a:t>Ok I admit it</a:t>
+            </a:r>
+            <a:r>
+              <a:rPr lang="mr-IN" dirty="0" smtClean="0"/>
+              <a:t>…</a:t>
+            </a:r>
+            <a:r>
+              <a:rPr lang="en-US" dirty="0" smtClean="0"/>
+              <a:t> I am totally Lazy</a:t>
+            </a:r>
+          </a:p>
+          <a:p>
+            <a:endParaRPr lang="en-US" dirty="0" smtClean="0"/>
+          </a:p>
+        </p:txBody>
+      </p:sp>
+      <p:sp>
+        <p:nvSpPr>
+          <p:cNvPr id="2" name="Title 1"/>
           <p:cNvSpPr>
             <a:spLocks noGrp="1"/>
           </p:cNvSpPr>
@@ -9661,43 +9981,22 @@
             <p:ph type="title"/>
           </p:nvPr>
         </p:nvSpPr>
-        <p:spPr>
-          <a:xfrm>
-            <a:off x="1069879" y="338669"/>
-            <a:ext cx="10498665" cy="1003115"/>
-          </a:xfrm>
-        </p:spPr>
+        <p:spPr/>
         <p:txBody>
           <a:bodyPr/>
           <a:lstStyle/>
           <a:p>
             <a:r>
               <a:rPr lang="en-US" dirty="0" smtClean="0"/>
-              <a:t>Some PE</a:t>
+              <a:t>Why</a:t>
             </a:r>
             <a:r>
               <a:rPr lang="en-US" baseline="0" dirty="0" smtClean="0"/>
-              <a:t> </a:t>
+              <a:t> use PE </a:t>
             </a:r>
             <a:r>
               <a:rPr lang="en-US" baseline="0" dirty="0" err="1" smtClean="0"/>
               <a:t>api</a:t>
-            </a:r>
-            <a:r>
-              <a:rPr lang="en-US" baseline="0" dirty="0" smtClean="0"/>
-              <a:t> </a:t>
-            </a:r>
-            <a:r>
-              <a:rPr lang="en-US" baseline="0" dirty="0" err="1" smtClean="0"/>
-              <a:t>enpoints</a:t>
-            </a:r>
-            <a:r>
-              <a:rPr lang="en-US" baseline="0" dirty="0" smtClean="0"/>
-              <a:t> ( more</a:t>
-            </a:r>
-            <a:r>
-              <a:rPr lang="en-US" dirty="0" smtClean="0"/>
-              <a:t> added all the time)</a:t>
             </a:r>
             <a:endParaRPr lang="en-US" dirty="0"/>
           </a:p>
@@ -9706,7 +10005,7 @@
     </p:spTree>
     <p:extLst>
       <p:ext uri="{BB962C8B-B14F-4D97-AF65-F5344CB8AC3E}">
-        <p14:creationId xmlns:p14="http://schemas.microsoft.com/office/powerpoint/2010/main" val="774076589"/>
+        <p14:creationId xmlns:p14="http://schemas.microsoft.com/office/powerpoint/2010/main" val="3104293000"/>
       </p:ext>
     </p:extLst>
   </p:cSld>
@@ -9742,6 +10041,53 @@
       </p:grpSpPr>
       <p:sp>
         <p:nvSpPr>
+          <p:cNvPr id="2" name="Content Placeholder 1"/>
+          <p:cNvSpPr>
+            <a:spLocks noGrp="1"/>
+          </p:cNvSpPr>
+          <p:nvPr>
+            <p:ph idx="1"/>
+          </p:nvPr>
+        </p:nvSpPr>
+        <p:spPr/>
+        <p:txBody>
+          <a:bodyPr/>
+          <a:lstStyle/>
+          <a:p>
+            <a:r>
+              <a:rPr lang="en-US" dirty="0" smtClean="0"/>
+              <a:t>Status</a:t>
+            </a:r>
+          </a:p>
+          <a:p>
+            <a:r>
+              <a:rPr lang="en-US" dirty="0" smtClean="0"/>
+              <a:t>RBAC</a:t>
+            </a:r>
+            <a:endParaRPr lang="en-US" dirty="0"/>
+          </a:p>
+          <a:p>
+            <a:r>
+              <a:rPr lang="en-US" dirty="0" smtClean="0"/>
+              <a:t>Orchestration</a:t>
+            </a:r>
+          </a:p>
+          <a:p>
+            <a:r>
+              <a:rPr lang="en-US" dirty="0" smtClean="0"/>
+              <a:t>Puppet DB</a:t>
+            </a:r>
+          </a:p>
+          <a:p>
+            <a:r>
+              <a:rPr lang="en-US" dirty="0" smtClean="0"/>
+              <a:t>Node Classifier</a:t>
+            </a:r>
+          </a:p>
+        </p:txBody>
+      </p:sp>
+      <p:sp>
+        <p:nvSpPr>
           <p:cNvPr id="3" name="Title 2"/>
           <p:cNvSpPr>
             <a:spLocks noGrp="1"/>
@@ -9750,68 +10096,44 @@
             <p:ph type="title"/>
           </p:nvPr>
         </p:nvSpPr>
-        <p:spPr/>
-        <p:txBody>
-          <a:bodyPr/>
-          <a:lstStyle/>
-          <a:p>
-            <a:r>
-              <a:rPr lang="en-US" dirty="0" smtClean="0"/>
-              <a:t>Status </a:t>
-            </a:r>
-            <a:r>
-              <a:rPr lang="en-US" dirty="0" err="1" smtClean="0"/>
-              <a:t>api</a:t>
-            </a:r>
-            <a:endParaRPr lang="en-US" dirty="0"/>
-          </a:p>
-        </p:txBody>
-      </p:sp>
-      <p:pic>
-        <p:nvPicPr>
-          <p:cNvPr id="5" name="Picture 4"/>
-          <p:cNvPicPr>
-            <a:picLocks noChangeAspect="1"/>
-          </p:cNvPicPr>
-          <p:nvPr/>
-        </p:nvPicPr>
-        <p:blipFill>
-          <a:blip r:embed="rId2">
-            <a:extLst>
-              <a:ext uri="{28A0092B-C50C-407E-A947-70E740481C1C}">
-                <a14:useLocalDpi xmlns:a14="http://schemas.microsoft.com/office/drawing/2010/main" val="0"/>
-              </a:ext>
-            </a:extLst>
-          </a:blip>
-          <a:stretch>
-            <a:fillRect/>
-          </a:stretch>
-        </p:blipFill>
         <p:spPr>
           <a:xfrm>
-            <a:off x="1701993" y="1633732"/>
-            <a:ext cx="4394007" cy="4394007"/>
+            <a:off x="1069879" y="338669"/>
+            <a:ext cx="10498665" cy="1003115"/>
           </a:xfrm>
-          <a:prstGeom prst="rect">
-            <a:avLst/>
-          </a:prstGeom>
         </p:spPr>
-      </p:pic>
-      <p:sp>
-        <p:nvSpPr>
-          <p:cNvPr id="6" name="Content Placeholder 5"/>
-          <p:cNvSpPr>
-            <a:spLocks noGrp="1"/>
-          </p:cNvSpPr>
-          <p:nvPr>
-            <p:ph idx="1"/>
-          </p:nvPr>
-        </p:nvSpPr>
-        <p:spPr/>
         <p:txBody>
           <a:bodyPr/>
           <a:lstStyle/>
           <a:p>
+            <a:r>
+              <a:rPr lang="en-US" dirty="0" smtClean="0"/>
+              <a:t>Some PE</a:t>
+            </a:r>
+            <a:r>
+              <a:rPr lang="en-US" baseline="0" dirty="0" smtClean="0"/>
+              <a:t> </a:t>
+            </a:r>
+            <a:r>
+              <a:rPr lang="en-US" baseline="0" dirty="0" err="1" smtClean="0"/>
+              <a:t>api</a:t>
+            </a:r>
+            <a:r>
+              <a:rPr lang="en-US" baseline="0" dirty="0" smtClean="0"/>
+              <a:t> </a:t>
+            </a:r>
+            <a:r>
+              <a:rPr lang="en-US" baseline="0" dirty="0" err="1" smtClean="0"/>
+              <a:t>enpoints</a:t>
+            </a:r>
+            <a:r>
+              <a:rPr lang="en-US" baseline="0" dirty="0" smtClean="0"/>
+              <a:t> ( more</a:t>
+            </a:r>
+            <a:r>
+              <a:rPr lang="en-US" dirty="0" smtClean="0"/>
+              <a:t> added all the time)</a:t>
+            </a:r>
             <a:endParaRPr lang="en-US" dirty="0"/>
           </a:p>
         </p:txBody>
@@ -9819,7 +10141,7 @@
     </p:spTree>
     <p:extLst>
       <p:ext uri="{BB962C8B-B14F-4D97-AF65-F5344CB8AC3E}">
-        <p14:creationId xmlns:p14="http://schemas.microsoft.com/office/powerpoint/2010/main" val="280819537"/>
+        <p14:creationId xmlns:p14="http://schemas.microsoft.com/office/powerpoint/2010/main" val="774076589"/>
       </p:ext>
     </p:extLst>
   </p:cSld>
@@ -9853,17 +10175,42 @@
           <a:chExt cx="0" cy="0"/>
         </a:xfrm>
       </p:grpSpPr>
+      <p:sp>
+        <p:nvSpPr>
+          <p:cNvPr id="3" name="Title 2"/>
+          <p:cNvSpPr>
+            <a:spLocks noGrp="1"/>
+          </p:cNvSpPr>
+          <p:nvPr>
+            <p:ph type="title"/>
+          </p:nvPr>
+        </p:nvSpPr>
+        <p:spPr/>
+        <p:txBody>
+          <a:bodyPr/>
+          <a:lstStyle/>
+          <a:p>
+            <a:r>
+              <a:rPr lang="en-US" dirty="0" smtClean="0"/>
+              <a:t>Status </a:t>
+            </a:r>
+            <a:r>
+              <a:rPr lang="en-US" dirty="0" err="1" smtClean="0"/>
+              <a:t>api</a:t>
+            </a:r>
+            <a:endParaRPr lang="en-US" dirty="0"/>
+          </a:p>
+        </p:txBody>
+      </p:sp>
       <p:pic>
         <p:nvPicPr>
-          <p:cNvPr id="4" name="Content Placeholder 3"/>
+          <p:cNvPr id="5" name="Picture 4"/>
           <p:cNvPicPr>
-            <a:picLocks noGrp="1" noChangeAspect="1"/>
+            <a:picLocks noChangeAspect="1"/>
           </p:cNvPicPr>
-          <p:nvPr>
-            <p:ph idx="1"/>
-          </p:nvPr>
+          <p:nvPr/>
         </p:nvPicPr>
-        <p:blipFill rotWithShape="1">
+        <p:blipFill>
           <a:blip r:embed="rId2">
             <a:extLst>
               <a:ext uri="{28A0092B-C50C-407E-A947-70E740481C1C}">
@@ -9871,24 +10218,28 @@
               </a:ext>
             </a:extLst>
           </a:blip>
-          <a:srcRect b="4878"/>
-          <a:stretch/>
+          <a:stretch>
+            <a:fillRect/>
+          </a:stretch>
         </p:blipFill>
         <p:spPr>
           <a:xfrm>
-            <a:off x="4912016" y="1674236"/>
-            <a:ext cx="6205675" cy="4207020"/>
+            <a:off x="1701993" y="1633732"/>
+            <a:ext cx="4394007" cy="4394007"/>
           </a:xfrm>
+          <a:prstGeom prst="rect">
+            <a:avLst/>
+          </a:prstGeom>
         </p:spPr>
       </p:pic>
       <p:sp>
         <p:nvSpPr>
-          <p:cNvPr id="3" name="Title 2"/>
-          <p:cNvSpPr>
-            <a:spLocks noGrp="1"/>
-          </p:cNvSpPr>
-          <p:nvPr>
-            <p:ph type="title"/>
+          <p:cNvPr id="6" name="Content Placeholder 5"/>
+          <p:cNvSpPr>
+            <a:spLocks noGrp="1"/>
+          </p:cNvSpPr>
+          <p:nvPr>
+            <p:ph idx="1"/>
           </p:nvPr>
         </p:nvSpPr>
         <p:spPr/>
@@ -9896,10 +10247,6 @@
           <a:bodyPr/>
           <a:lstStyle/>
           <a:p>
-            <a:r>
-              <a:rPr lang="en-US" dirty="0" smtClean="0"/>
-              <a:t>RBAC</a:t>
-            </a:r>
             <a:endParaRPr lang="en-US" dirty="0"/>
           </a:p>
         </p:txBody>
@@ -9907,7 +10254,7 @@
     </p:spTree>
     <p:extLst>
       <p:ext uri="{BB962C8B-B14F-4D97-AF65-F5344CB8AC3E}">
-        <p14:creationId xmlns:p14="http://schemas.microsoft.com/office/powerpoint/2010/main" val="1628478163"/>
+        <p14:creationId xmlns:p14="http://schemas.microsoft.com/office/powerpoint/2010/main" val="280819537"/>
       </p:ext>
     </p:extLst>
   </p:cSld>
@@ -9951,7 +10298,7 @@
             <p:ph idx="1"/>
           </p:nvPr>
         </p:nvPicPr>
-        <p:blipFill>
+        <p:blipFill rotWithShape="1">
           <a:blip r:embed="rId2">
             <a:extLst>
               <a:ext uri="{28A0092B-C50C-407E-A947-70E740481C1C}">
@@ -9959,14 +10306,13 @@
               </a:ext>
             </a:extLst>
           </a:blip>
-          <a:stretch>
-            <a:fillRect/>
-          </a:stretch>
+          <a:srcRect b="4878"/>
+          <a:stretch/>
         </p:blipFill>
         <p:spPr>
           <a:xfrm>
-            <a:off x="872888" y="1625745"/>
-            <a:ext cx="6705497" cy="4422775"/>
+            <a:off x="4912016" y="1674236"/>
+            <a:ext cx="6205675" cy="4207020"/>
           </a:xfrm>
         </p:spPr>
       </p:pic>
@@ -9987,7 +10333,7 @@
           <a:p>
             <a:r>
               <a:rPr lang="en-US" dirty="0" smtClean="0"/>
-              <a:t>Orchestration</a:t>
+              <a:t>RBAC</a:t>
             </a:r>
             <a:endParaRPr lang="en-US" dirty="0"/>
           </a:p>
@@ -9996,7 +10342,7 @@
     </p:spTree>
     <p:extLst>
       <p:ext uri="{BB962C8B-B14F-4D97-AF65-F5344CB8AC3E}">
-        <p14:creationId xmlns:p14="http://schemas.microsoft.com/office/powerpoint/2010/main" val="126287950"/>
+        <p14:creationId xmlns:p14="http://schemas.microsoft.com/office/powerpoint/2010/main" val="1628478163"/>
       </p:ext>
     </p:extLst>
   </p:cSld>
@@ -10054,8 +10400,8 @@
         </p:blipFill>
         <p:spPr>
           <a:xfrm>
-            <a:off x="1641764" y="1968500"/>
-            <a:ext cx="8534400" cy="3627120"/>
+            <a:off x="872888" y="1625745"/>
+            <a:ext cx="6705497" cy="4422775"/>
           </a:xfrm>
         </p:spPr>
       </p:pic>
@@ -10076,7 +10422,7 @@
           <a:p>
             <a:r>
               <a:rPr lang="en-US" dirty="0" smtClean="0"/>
-              <a:t>Puppet DB</a:t>
+              <a:t>Orchestration</a:t>
             </a:r>
             <a:endParaRPr lang="en-US" dirty="0"/>
           </a:p>
@@ -10085,7 +10431,7 @@
     </p:spTree>
     <p:extLst>
       <p:ext uri="{BB962C8B-B14F-4D97-AF65-F5344CB8AC3E}">
-        <p14:creationId xmlns:p14="http://schemas.microsoft.com/office/powerpoint/2010/main" val="413493335"/>
+        <p14:creationId xmlns:p14="http://schemas.microsoft.com/office/powerpoint/2010/main" val="126287950"/>
       </p:ext>
     </p:extLst>
   </p:cSld>
@@ -10143,8 +10489,8 @@
         </p:blipFill>
         <p:spPr>
           <a:xfrm>
-            <a:off x="6705599" y="1916545"/>
-            <a:ext cx="4204855" cy="3826418"/>
+            <a:off x="1641764" y="1968500"/>
+            <a:ext cx="8534400" cy="3627120"/>
           </a:xfrm>
         </p:spPr>
       </p:pic>
@@ -10165,15 +10511,7 @@
           <a:p>
             <a:r>
               <a:rPr lang="en-US" dirty="0" smtClean="0"/>
-              <a:t>Node</a:t>
-            </a:r>
-            <a:r>
-              <a:rPr lang="en-US" baseline="0" dirty="0" smtClean="0"/>
-              <a:t> </a:t>
-            </a:r>
-            <a:r>
-              <a:rPr lang="en-US" baseline="0" dirty="0" err="1" smtClean="0"/>
-              <a:t>Classifer</a:t>
+              <a:t>Puppet DB</a:t>
             </a:r>
             <a:endParaRPr lang="en-US" dirty="0"/>
           </a:p>
@@ -10182,7 +10520,7 @@
     </p:spTree>
     <p:extLst>
       <p:ext uri="{BB962C8B-B14F-4D97-AF65-F5344CB8AC3E}">
-        <p14:creationId xmlns:p14="http://schemas.microsoft.com/office/powerpoint/2010/main" val="2018590346"/>
+        <p14:creationId xmlns:p14="http://schemas.microsoft.com/office/powerpoint/2010/main" val="413493335"/>
       </p:ext>
     </p:extLst>
   </p:cSld>
